--- a/images/moral_advice.pptx
+++ b/images/moral_advice.pptx
@@ -107,6 +107,11 @@
       </a:defRPr>
     </a:lvl9pPr>
   </p:defaultTextStyle>
+  <p:extLst>
+    <p:ext uri="{EFAFB233-063F-42B5-8137-9DF3F51BA10A}">
+      <p15:sldGuideLst xmlns:p15="http://schemas.microsoft.com/office/powerpoint/2012/main"/>
+    </p:ext>
+  </p:extLst>
 </p:presentation>
 </file>
 
@@ -192,7 +197,7 @@
           <a:p>
             <a:fld id="{80F8C9F0-D8E3-48B3-91B7-3EEF6DBBED5C}" type="datetimeFigureOut">
               <a:rPr lang="en-GB" smtClean="0"/>
-              <a:t>27/05/2025</a:t>
+              <a:t>30/06/2025</a:t>
             </a:fld>
             <a:endParaRPr lang="en-GB"/>
           </a:p>
@@ -675,7 +680,7 @@
           <a:p>
             <a:fld id="{1BEA243F-2BD0-4811-9129-C0284CEED60D}" type="datetimeFigureOut">
               <a:rPr lang="en-GB" smtClean="0"/>
-              <a:t>27/05/2025</a:t>
+              <a:t>30/06/2025</a:t>
             </a:fld>
             <a:endParaRPr lang="en-GB"/>
           </a:p>
@@ -845,7 +850,7 @@
           <a:p>
             <a:fld id="{1BEA243F-2BD0-4811-9129-C0284CEED60D}" type="datetimeFigureOut">
               <a:rPr lang="en-GB" smtClean="0"/>
-              <a:t>27/05/2025</a:t>
+              <a:t>30/06/2025</a:t>
             </a:fld>
             <a:endParaRPr lang="en-GB"/>
           </a:p>
@@ -1025,7 +1030,7 @@
           <a:p>
             <a:fld id="{1BEA243F-2BD0-4811-9129-C0284CEED60D}" type="datetimeFigureOut">
               <a:rPr lang="en-GB" smtClean="0"/>
-              <a:t>27/05/2025</a:t>
+              <a:t>30/06/2025</a:t>
             </a:fld>
             <a:endParaRPr lang="en-GB"/>
           </a:p>
@@ -1195,7 +1200,7 @@
           <a:p>
             <a:fld id="{1BEA243F-2BD0-4811-9129-C0284CEED60D}" type="datetimeFigureOut">
               <a:rPr lang="en-GB" smtClean="0"/>
-              <a:t>27/05/2025</a:t>
+              <a:t>30/06/2025</a:t>
             </a:fld>
             <a:endParaRPr lang="en-GB"/>
           </a:p>
@@ -1441,7 +1446,7 @@
           <a:p>
             <a:fld id="{1BEA243F-2BD0-4811-9129-C0284CEED60D}" type="datetimeFigureOut">
               <a:rPr lang="en-GB" smtClean="0"/>
-              <a:t>27/05/2025</a:t>
+              <a:t>30/06/2025</a:t>
             </a:fld>
             <a:endParaRPr lang="en-GB"/>
           </a:p>
@@ -1673,7 +1678,7 @@
           <a:p>
             <a:fld id="{1BEA243F-2BD0-4811-9129-C0284CEED60D}" type="datetimeFigureOut">
               <a:rPr lang="en-GB" smtClean="0"/>
-              <a:t>27/05/2025</a:t>
+              <a:t>30/06/2025</a:t>
             </a:fld>
             <a:endParaRPr lang="en-GB"/>
           </a:p>
@@ -2040,7 +2045,7 @@
           <a:p>
             <a:fld id="{1BEA243F-2BD0-4811-9129-C0284CEED60D}" type="datetimeFigureOut">
               <a:rPr lang="en-GB" smtClean="0"/>
-              <a:t>27/05/2025</a:t>
+              <a:t>30/06/2025</a:t>
             </a:fld>
             <a:endParaRPr lang="en-GB"/>
           </a:p>
@@ -2158,7 +2163,7 @@
           <a:p>
             <a:fld id="{1BEA243F-2BD0-4811-9129-C0284CEED60D}" type="datetimeFigureOut">
               <a:rPr lang="en-GB" smtClean="0"/>
-              <a:t>27/05/2025</a:t>
+              <a:t>30/06/2025</a:t>
             </a:fld>
             <a:endParaRPr lang="en-GB"/>
           </a:p>
@@ -2253,7 +2258,7 @@
           <a:p>
             <a:fld id="{1BEA243F-2BD0-4811-9129-C0284CEED60D}" type="datetimeFigureOut">
               <a:rPr lang="en-GB" smtClean="0"/>
-              <a:t>27/05/2025</a:t>
+              <a:t>30/06/2025</a:t>
             </a:fld>
             <a:endParaRPr lang="en-GB"/>
           </a:p>
@@ -2530,7 +2535,7 @@
           <a:p>
             <a:fld id="{1BEA243F-2BD0-4811-9129-C0284CEED60D}" type="datetimeFigureOut">
               <a:rPr lang="en-GB" smtClean="0"/>
-              <a:t>27/05/2025</a:t>
+              <a:t>30/06/2025</a:t>
             </a:fld>
             <a:endParaRPr lang="en-GB"/>
           </a:p>
@@ -2787,7 +2792,7 @@
           <a:p>
             <a:fld id="{1BEA243F-2BD0-4811-9129-C0284CEED60D}" type="datetimeFigureOut">
               <a:rPr lang="en-GB" smtClean="0"/>
-              <a:t>27/05/2025</a:t>
+              <a:t>30/06/2025</a:t>
             </a:fld>
             <a:endParaRPr lang="en-GB"/>
           </a:p>
@@ -3000,7 +3005,7 @@
           <a:p>
             <a:fld id="{1BEA243F-2BD0-4811-9129-C0284CEED60D}" type="datetimeFigureOut">
               <a:rPr lang="en-GB" smtClean="0"/>
-              <a:t>27/05/2025</a:t>
+              <a:t>30/06/2025</a:t>
             </a:fld>
             <a:endParaRPr lang="en-GB"/>
           </a:p>
@@ -3433,7 +3438,7 @@
         </p:blipFill>
         <p:spPr>
           <a:xfrm>
-            <a:off x="111833" y="638632"/>
+            <a:off x="-90636" y="638632"/>
             <a:ext cx="1050740" cy="1050740"/>
           </a:xfrm>
           <a:prstGeom prst="rect">
@@ -3455,7 +3460,7 @@
         </p:nvSpPr>
         <p:spPr>
           <a:xfrm>
-            <a:off x="3056945" y="2927396"/>
+            <a:off x="3167973" y="2927396"/>
             <a:ext cx="737819" cy="595083"/>
           </a:xfrm>
           <a:prstGeom prst="roundRect">
@@ -3512,8 +3517,8 @@
         </p:nvSpPr>
         <p:spPr>
           <a:xfrm>
-            <a:off x="1241513" y="183990"/>
-            <a:ext cx="2553251" cy="815300"/>
+            <a:off x="1025792" y="183990"/>
+            <a:ext cx="2880000" cy="815300"/>
           </a:xfrm>
           <a:prstGeom prst="wedgeRoundRectCallout">
             <a:avLst>
@@ -3549,7 +3554,7 @@
           <a:p>
             <a:pPr algn="ctr"/>
             <a:r>
-              <a:rPr lang="en-GB" sz="950" dirty="0">
+              <a:rPr lang="en-GB" sz="1100" dirty="0">
                 <a:solidFill>
                   <a:schemeClr val="tx1"/>
                 </a:solidFill>
@@ -3559,7 +3564,7 @@
               <a:t>David </a:t>
             </a:r>
             <a:r>
-              <a:rPr lang="en-GB" sz="950" b="1" dirty="0">
+              <a:rPr lang="en-GB" sz="1100" b="1" dirty="0">
                 <a:solidFill>
                   <a:schemeClr val="tx1"/>
                 </a:solidFill>
@@ -3569,7 +3574,7 @@
               <a:t>SHOULD NOT</a:t>
             </a:r>
             <a:r>
-              <a:rPr lang="en-GB" sz="950" dirty="0">
+              <a:rPr lang="en-GB" sz="1100" dirty="0">
                 <a:solidFill>
                   <a:schemeClr val="tx1"/>
                 </a:solidFill>
@@ -3595,8 +3600,8 @@
         </p:nvSpPr>
         <p:spPr>
           <a:xfrm>
-            <a:off x="1241513" y="1147075"/>
-            <a:ext cx="2553251" cy="815300"/>
+            <a:off x="1025792" y="1147075"/>
+            <a:ext cx="2880000" cy="815300"/>
           </a:xfrm>
           <a:prstGeom prst="wedgeRoundRectCallout">
             <a:avLst>
@@ -3632,7 +3637,7 @@
           <a:p>
             <a:pPr algn="ctr"/>
             <a:r>
-              <a:rPr lang="en-GB" sz="950" dirty="0">
+              <a:rPr lang="en-GB" sz="1100" dirty="0">
                 <a:solidFill>
                   <a:schemeClr val="tx1"/>
                 </a:solidFill>
@@ -3642,7 +3647,7 @@
               <a:t>James </a:t>
             </a:r>
             <a:r>
-              <a:rPr lang="en-GB" sz="950" b="1" dirty="0">
+              <a:rPr lang="en-GB" sz="1100" b="1" dirty="0">
                 <a:solidFill>
                   <a:schemeClr val="tx1"/>
                 </a:solidFill>
@@ -3652,7 +3657,7 @@
               <a:t>SHOULD</a:t>
             </a:r>
             <a:r>
-              <a:rPr lang="en-GB" sz="950" dirty="0">
+              <a:rPr lang="en-GB" sz="1100" dirty="0">
                 <a:solidFill>
                   <a:schemeClr val="tx1"/>
                 </a:solidFill>
@@ -3661,7 +3666,7 @@
               </a:rPr>
               <a:t> crash the rider in order to avoid the deaths of the other riders behind him. An important principle in ethics is to think about the greater good.</a:t>
             </a:r>
-            <a:endParaRPr lang="en-GB" sz="950" b="1" dirty="0">
+            <a:endParaRPr lang="en-GB" sz="1100" b="1" dirty="0">
               <a:solidFill>
                 <a:schemeClr val="tx1"/>
               </a:solidFill>
@@ -3685,8 +3690,8 @@
         </p:nvSpPr>
         <p:spPr>
           <a:xfrm flipH="1">
-            <a:off x="171038" y="2357213"/>
-            <a:ext cx="2553251" cy="815300"/>
+            <a:off x="60007" y="2357213"/>
+            <a:ext cx="2880000" cy="815300"/>
           </a:xfrm>
           <a:prstGeom prst="wedgeRoundRectCallout">
             <a:avLst>
@@ -3722,7 +3727,7 @@
           <a:p>
             <a:pPr algn="ctr"/>
             <a:r>
-              <a:rPr lang="en-GB" sz="950" dirty="0">
+              <a:rPr lang="en-GB" sz="1100" dirty="0">
                 <a:solidFill>
                   <a:schemeClr val="tx1"/>
                 </a:solidFill>
@@ -3732,7 +3737,7 @@
               <a:t>James </a:t>
             </a:r>
             <a:r>
-              <a:rPr lang="en-GB" sz="950" b="1" dirty="0">
+              <a:rPr lang="en-GB" sz="1100" b="1" dirty="0">
                 <a:solidFill>
                   <a:schemeClr val="tx1"/>
                 </a:solidFill>
@@ -3742,7 +3747,7 @@
               <a:t>SHOULD NOT</a:t>
             </a:r>
             <a:r>
-              <a:rPr lang="en-GB" sz="950" dirty="0">
+              <a:rPr lang="en-GB" sz="1100" dirty="0">
                 <a:solidFill>
                   <a:schemeClr val="tx1"/>
                 </a:solidFill>
@@ -3768,8 +3773,8 @@
         </p:nvSpPr>
         <p:spPr>
           <a:xfrm flipH="1">
-            <a:off x="171038" y="3320298"/>
-            <a:ext cx="2553251" cy="815300"/>
+            <a:off x="60007" y="3320298"/>
+            <a:ext cx="2880000" cy="815300"/>
           </a:xfrm>
           <a:prstGeom prst="wedgeRoundRectCallout">
             <a:avLst>
@@ -3805,7 +3810,7 @@
           <a:p>
             <a:pPr algn="ctr"/>
             <a:r>
-              <a:rPr lang="en-GB" sz="950" dirty="0">
+              <a:rPr lang="en-GB" sz="1100" dirty="0">
                 <a:solidFill>
                   <a:schemeClr val="tx1"/>
                 </a:solidFill>
@@ -3815,7 +3820,7 @@
               <a:t>David </a:t>
             </a:r>
             <a:r>
-              <a:rPr lang="en-GB" sz="950" b="1" dirty="0">
+              <a:rPr lang="en-GB" sz="1100" b="1" dirty="0">
                 <a:solidFill>
                   <a:schemeClr val="tx1"/>
                 </a:solidFill>
@@ -3825,7 +3830,7 @@
               <a:t>SHOULD</a:t>
             </a:r>
             <a:r>
-              <a:rPr lang="en-GB" sz="950" dirty="0">
+              <a:rPr lang="en-GB" sz="1100" dirty="0">
                 <a:solidFill>
                   <a:schemeClr val="tx1"/>
                 </a:solidFill>
